--- a/ppt and report/Presentation1.pptx
+++ b/ppt and report/Presentation1.pptx
@@ -5,7 +5,7 @@
     <p:sldMasterId id="2147483660" r:id="rId1"/>
   </p:sldMasterIdLst>
   <p:notesMasterIdLst>
-    <p:notesMasterId r:id="rId21"/>
+    <p:notesMasterId r:id="rId20"/>
   </p:notesMasterIdLst>
   <p:sldIdLst>
     <p:sldId id="256" r:id="rId2"/>
@@ -26,12 +26,11 @@
     <p:sldId id="271" r:id="rId17"/>
     <p:sldId id="274" r:id="rId18"/>
     <p:sldId id="272" r:id="rId19"/>
-    <p:sldId id="273" r:id="rId20"/>
   </p:sldIdLst>
   <p:sldSz cx="10969625" cy="6170613"/>
   <p:notesSz cx="6858000" cy="9144000"/>
   <p:custDataLst>
-    <p:tags r:id="rId22"/>
+    <p:tags r:id="rId21"/>
   </p:custDataLst>
   <p:defaultTextStyle>
     <a:defPPr>
@@ -251,7 +250,7 @@
           <a:p>
             <a:fld id="{FD2AF03E-3778-425A-8C7A-52F628A50447}" type="datetimeFigureOut">
               <a:rPr lang="en-GB" smtClean="0"/>
-              <a:t>02/05/2018</a:t>
+              <a:t>04/05/2018</a:t>
             </a:fld>
             <a:endParaRPr lang="en-GB"/>
           </a:p>
@@ -3458,11 +3457,7 @@
           <a:p>
             <a:r>
               <a:rPr lang="en-US" dirty="0" smtClean="0"/>
-              <a:t>N Prudhvi </a:t>
-            </a:r>
-            <a:r>
-              <a:rPr lang="en-US" dirty="0" smtClean="0"/>
-              <a:t>Reddy</a:t>
+              <a:t>N Prudhvi Reddy</a:t>
             </a:r>
           </a:p>
           <a:p>
@@ -3502,11 +3497,7 @@
           <a:p>
             <a:r>
               <a:rPr lang="en-US" dirty="0" smtClean="0"/>
-              <a:t>		Under </a:t>
-            </a:r>
-            <a:r>
-              <a:rPr lang="en-US" dirty="0" smtClean="0"/>
-              <a:t>The Guidance Of:</a:t>
+              <a:t>		Under The Guidance Of:</a:t>
             </a:r>
           </a:p>
           <a:p>
@@ -9831,17 +9822,6 @@
               </a:rPr>
               <a:t>Final product</a:t>
             </a:r>
-            <a:endParaRPr kumimoji="0" lang="en-GB" sz="3000" b="1" i="0" u="none" strike="noStrike" kern="0" cap="none" spc="0" normalizeH="0" baseline="0" noProof="0" dirty="0" smtClean="0">
-              <a:ln>
-                <a:noFill/>
-              </a:ln>
-              <a:solidFill>
-                <a:srgbClr val="000000"/>
-              </a:solidFill>
-              <a:effectLst/>
-              <a:uLnTx/>
-              <a:uFillTx/>
-            </a:endParaRPr>
           </a:p>
         </p:txBody>
       </p:sp>
@@ -10611,495 +10591,6 @@
 </p:sld>
 </file>
 
-<file path=ppt/slides/slide19.xml><?xml version="1.0" encoding="utf-8"?>
-<p:sld xmlns:a="http://schemas.openxmlformats.org/drawingml/2006/main" xmlns:r="http://schemas.openxmlformats.org/officeDocument/2006/relationships" xmlns:p="http://schemas.openxmlformats.org/presentationml/2006/main">
-  <p:cSld>
-    <p:spTree>
-      <p:nvGrpSpPr>
-        <p:cNvPr id="1" name=""/>
-        <p:cNvGrpSpPr/>
-        <p:nvPr/>
-      </p:nvGrpSpPr>
-      <p:grpSpPr>
-        <a:xfrm>
-          <a:off x="0" y="0"/>
-          <a:ext cx="0" cy="0"/>
-          <a:chOff x="0" y="0"/>
-          <a:chExt cx="0" cy="0"/>
-        </a:xfrm>
-      </p:grpSpPr>
-      <p:sp>
-        <p:nvSpPr>
-          <p:cNvPr id="6" name="Rectangle 5"/>
-          <p:cNvSpPr>
-            <a:spLocks/>
-          </p:cNvSpPr>
-          <p:nvPr>
-            <p:custDataLst>
-              <p:tags r:id="rId2"/>
-            </p:custDataLst>
-          </p:nvPr>
-        </p:nvSpPr>
-        <p:spPr>
-          <a:xfrm>
-            <a:off x="593090" y="5643880"/>
-            <a:ext cx="9152890" cy="107950"/>
-          </a:xfrm>
-          <a:prstGeom prst="rect">
-            <a:avLst/>
-          </a:prstGeom>
-          <a:noFill/>
-          <a:ln w="9525" cap="flat" cmpd="sng" algn="ctr">
-            <a:noFill/>
-            <a:prstDash val="solid"/>
-          </a:ln>
-          <a:effectLst/>
-          <a:extLst>
-            <a:ext uri="{91240B29-F687-4F45-9708-019B960494DF}">
-              <a14:hiddenLine xmlns:a14="http://schemas.microsoft.com/office/drawing/2010/main" w="9525" cap="flat" cmpd="sng" algn="ctr">
-                <a:solidFill>
-                  <a:srgbClr val="3F136C"/>
-                </a:solidFill>
-                <a:prstDash val="solid"/>
-              </a14:hiddenLine>
-            </a:ext>
-            <a:ext uri="{AF507438-7753-43E0-B8FC-AC1667EBCBE1}">
-              <a14:hiddenEffects xmlns:a14="http://schemas.microsoft.com/office/drawing/2010/main">
-                <a:effectLst>
-                  <a:outerShdw blurRad="63500" rotWithShape="0">
-                    <a:scrgbClr r="0" g="0" b="0"/>
-                  </a:outerShdw>
-                </a:effectLst>
-              </a14:hiddenEffects>
-            </a:ext>
-            <a:ext uri="{53640926-AAD7-44D8-BBD7-CCE9431645EC}">
-              <a14:shadowObscured xmlns:a14="http://schemas.microsoft.com/office/drawing/2010/main"/>
-            </a:ext>
-          </a:extLst>
-        </p:spPr>
-        <p:txBody>
-          <a:bodyPr lIns="0" tIns="0" rIns="0" bIns="0" rtlCol="0" anchor="t"/>
-          <a:lstStyle/>
-          <a:p>
-            <a:pPr marL="0" marR="0" indent="0" defTabSz="914400" eaLnBrk="1" fontAlgn="auto" latinLnBrk="0" hangingPunct="1">
-              <a:lnSpc>
-                <a:spcPct val="107000"/>
-              </a:lnSpc>
-              <a:spcAft>
-                <a:spcPts val="100"/>
-              </a:spcAft>
-              <a:buClrTx/>
-              <a:buSzTx/>
-              <a:buFontTx/>
-              <a:buNone/>
-              <a:tabLst/>
-            </a:pPr>
-            <a:r>
-              <a:rPr kumimoji="0" lang="en-GB" sz="600" b="1" strike="noStrike" kern="0" cap="none" normalizeH="0" baseline="0" noProof="0" smtClean="0">
-                <a:ln>
-                  <a:noFill/>
-                </a:ln>
-                <a:solidFill>
-                  <a:srgbClr val="D70012"/>
-                </a:solidFill>
-                <a:effectLst/>
-                <a:uLnTx/>
-                <a:uFillTx/>
-                <a:ea typeface="+mn-ea"/>
-                <a:cs typeface="+mn-cs"/>
-              </a:rPr>
-              <a:t>Internal </a:t>
-            </a:r>
-            <a:r>
-              <a:rPr kumimoji="0" lang="en-GB" sz="600" strike="noStrike" kern="0" cap="none" normalizeH="0" baseline="0" noProof="0" smtClean="0">
-                <a:ln>
-                  <a:noFill/>
-                </a:ln>
-                <a:solidFill>
-                  <a:srgbClr val="000000"/>
-                </a:solidFill>
-                <a:effectLst/>
-                <a:uLnTx/>
-                <a:uFillTx/>
-                <a:ea typeface="+mn-ea"/>
-                <a:cs typeface="+mn-cs"/>
-              </a:rPr>
-              <a:t>| RBEI/BSP1 | 2018-05-02</a:t>
-            </a:r>
-            <a:endParaRPr kumimoji="0" lang="en-GB" sz="600" strike="noStrike" kern="0" cap="none" normalizeH="0" baseline="0" noProof="0" dirty="0" smtClean="0">
-              <a:ln>
-                <a:noFill/>
-              </a:ln>
-              <a:solidFill>
-                <a:srgbClr val="000000"/>
-              </a:solidFill>
-              <a:effectLst/>
-              <a:uLnTx/>
-              <a:uFillTx/>
-              <a:ea typeface="+mn-ea"/>
-              <a:cs typeface="+mn-cs"/>
-            </a:endParaRPr>
-          </a:p>
-        </p:txBody>
-      </p:sp>
-      <p:sp>
-        <p:nvSpPr>
-          <p:cNvPr id="5" name="Rectangle 4"/>
-          <p:cNvSpPr>
-            <a:spLocks/>
-          </p:cNvSpPr>
-          <p:nvPr>
-            <p:custDataLst>
-              <p:tags r:id="rId3"/>
-            </p:custDataLst>
-          </p:nvPr>
-        </p:nvSpPr>
-        <p:spPr>
-          <a:xfrm>
-            <a:off x="593090" y="5758180"/>
-            <a:ext cx="9152890" cy="215900"/>
-          </a:xfrm>
-          <a:prstGeom prst="rect">
-            <a:avLst/>
-          </a:prstGeom>
-          <a:noFill/>
-          <a:ln w="9525" cap="flat" cmpd="sng" algn="ctr">
-            <a:noFill/>
-            <a:prstDash val="solid"/>
-          </a:ln>
-          <a:effectLst/>
-          <a:extLst>
-            <a:ext uri="{91240B29-F687-4F45-9708-019B960494DF}">
-              <a14:hiddenLine xmlns:a14="http://schemas.microsoft.com/office/drawing/2010/main" w="9525" cap="flat" cmpd="sng" algn="ctr">
-                <a:solidFill>
-                  <a:srgbClr val="3F136C"/>
-                </a:solidFill>
-                <a:prstDash val="solid"/>
-              </a14:hiddenLine>
-            </a:ext>
-            <a:ext uri="{AF507438-7753-43E0-B8FC-AC1667EBCBE1}">
-              <a14:hiddenEffects xmlns:a14="http://schemas.microsoft.com/office/drawing/2010/main">
-                <a:effectLst>
-                  <a:outerShdw blurRad="63500" rotWithShape="0">
-                    <a:scrgbClr r="0" g="0" b="0"/>
-                  </a:outerShdw>
-                </a:effectLst>
-              </a14:hiddenEffects>
-            </a:ext>
-            <a:ext uri="{53640926-AAD7-44D8-BBD7-CCE9431645EC}">
-              <a14:shadowObscured xmlns:a14="http://schemas.microsoft.com/office/drawing/2010/main"/>
-            </a:ext>
-          </a:extLst>
-        </p:spPr>
-        <p:txBody>
-          <a:bodyPr lIns="0" tIns="0" rIns="0" bIns="0" rtlCol="0" anchor="t"/>
-          <a:lstStyle/>
-          <a:p>
-            <a:pPr marL="0" marR="0" indent="0" defTabSz="914400" eaLnBrk="1" fontAlgn="auto" latinLnBrk="0" hangingPunct="1">
-              <a:lnSpc>
-                <a:spcPct val="107000"/>
-              </a:lnSpc>
-              <a:spcAft>
-                <a:spcPts val="100"/>
-              </a:spcAft>
-              <a:buClrTx/>
-              <a:buSzTx/>
-              <a:buFontTx/>
-              <a:buNone/>
-              <a:tabLst/>
-            </a:pPr>
-            <a:r>
-              <a:rPr kumimoji="0" lang="en-US" sz="600" b="0" i="0" u="none" strike="noStrike" kern="0" cap="none" normalizeH="0" baseline="0" noProof="0" smtClean="0">
-                <a:ln>
-                  <a:noFill/>
-                </a:ln>
-                <a:solidFill>
-                  <a:srgbClr val="B2B3B5"/>
-                </a:solidFill>
-                <a:effectLst/>
-                <a:uLnTx/>
-                <a:uFillTx/>
-                <a:latin typeface="Bosch Office Sans"/>
-                <a:ea typeface="+mn-ea"/>
-                <a:cs typeface="+mn-cs"/>
-              </a:rPr>
-              <a:t>©  Robert Bosch Engineering and Business Solutions Private Limited 2018. All rights reserved, also regarding any disposal, exploitation, reproduction, editing, distribution, as well as in the event of applications for industrial property rights.</a:t>
-            </a:r>
-            <a:endParaRPr kumimoji="0" lang="en-GB" sz="600" b="0" i="0" u="none" strike="noStrike" kern="0" cap="none" normalizeH="0" baseline="0" noProof="0" dirty="0" smtClean="0">
-              <a:ln>
-                <a:noFill/>
-              </a:ln>
-              <a:solidFill>
-                <a:srgbClr val="B2B3B5"/>
-              </a:solidFill>
-              <a:effectLst/>
-              <a:uLnTx/>
-              <a:uFillTx/>
-              <a:latin typeface="Bosch Office Sans"/>
-              <a:ea typeface="+mn-ea"/>
-              <a:cs typeface="+mn-cs"/>
-            </a:endParaRPr>
-          </a:p>
-        </p:txBody>
-      </p:sp>
-      <p:sp>
-        <p:nvSpPr>
-          <p:cNvPr id="4" name="Rectangle 3"/>
-          <p:cNvSpPr>
-            <a:spLocks/>
-          </p:cNvSpPr>
-          <p:nvPr>
-            <p:custDataLst>
-              <p:tags r:id="rId4"/>
-            </p:custDataLst>
-          </p:nvPr>
-        </p:nvSpPr>
-        <p:spPr>
-          <a:xfrm>
-            <a:off x="266700" y="5628640"/>
-            <a:ext cx="288290" cy="410210"/>
-          </a:xfrm>
-          <a:prstGeom prst="rect">
-            <a:avLst/>
-          </a:prstGeom>
-          <a:noFill/>
-          <a:ln w="9525" cap="flat" cmpd="sng" algn="ctr">
-            <a:noFill/>
-            <a:prstDash val="solid"/>
-          </a:ln>
-          <a:effectLst/>
-          <a:extLst>
-            <a:ext uri="{91240B29-F687-4F45-9708-019B960494DF}">
-              <a14:hiddenLine xmlns:a14="http://schemas.microsoft.com/office/drawing/2010/main" w="9525" cap="flat" cmpd="sng" algn="ctr">
-                <a:solidFill>
-                  <a:srgbClr val="3F136C"/>
-                </a:solidFill>
-                <a:prstDash val="solid"/>
-              </a14:hiddenLine>
-            </a:ext>
-            <a:ext uri="{AF507438-7753-43E0-B8FC-AC1667EBCBE1}">
-              <a14:hiddenEffects xmlns:a14="http://schemas.microsoft.com/office/drawing/2010/main">
-                <a:effectLst>
-                  <a:outerShdw blurRad="63500" rotWithShape="0">
-                    <a:scrgbClr r="0" g="0" b="0"/>
-                  </a:outerShdw>
-                </a:effectLst>
-              </a14:hiddenEffects>
-            </a:ext>
-            <a:ext uri="{53640926-AAD7-44D8-BBD7-CCE9431645EC}">
-              <a14:shadowObscured xmlns:a14="http://schemas.microsoft.com/office/drawing/2010/main"/>
-            </a:ext>
-          </a:extLst>
-        </p:spPr>
-        <p:txBody>
-          <a:bodyPr wrap="none" lIns="0" tIns="0" rIns="0" bIns="0" rtlCol="0" anchor="t"/>
-          <a:lstStyle/>
-          <a:p>
-            <a:pPr marL="0" marR="0" indent="0" defTabSz="914400" eaLnBrk="1" fontAlgn="auto" latinLnBrk="0" hangingPunct="1">
-              <a:buClrTx/>
-              <a:buSzTx/>
-              <a:buFontTx/>
-              <a:buNone/>
-              <a:tabLst/>
-            </a:pPr>
-            <a:r>
-              <a:rPr kumimoji="0" lang="en-GB" sz="1200" b="0" i="0" u="none" strike="noStrike" kern="0" cap="none" normalizeH="0" baseline="0" noProof="0" smtClean="0">
-                <a:ln>
-                  <a:noFill/>
-                </a:ln>
-                <a:solidFill>
-                  <a:srgbClr val="999FA6"/>
-                </a:solidFill>
-                <a:effectLst/>
-                <a:uLnTx/>
-                <a:uFillTx/>
-                <a:latin typeface="Bosch Office Sans"/>
-                <a:ea typeface="+mn-ea"/>
-                <a:cs typeface="+mn-cs"/>
-              </a:rPr>
-              <a:t>19</a:t>
-            </a:r>
-            <a:endParaRPr kumimoji="0" lang="en-GB" sz="1200" b="0" i="0" u="none" strike="noStrike" kern="0" cap="none" normalizeH="0" baseline="0" noProof="0" dirty="0" smtClean="0">
-              <a:ln>
-                <a:noFill/>
-              </a:ln>
-              <a:solidFill>
-                <a:srgbClr val="999FA6"/>
-              </a:solidFill>
-              <a:effectLst/>
-              <a:uLnTx/>
-              <a:uFillTx/>
-              <a:latin typeface="Bosch Office Sans"/>
-              <a:ea typeface="+mn-ea"/>
-              <a:cs typeface="+mn-cs"/>
-            </a:endParaRPr>
-          </a:p>
-        </p:txBody>
-      </p:sp>
-      <p:sp>
-        <p:nvSpPr>
-          <p:cNvPr id="3" name="Rectangle 2" hidden="1"/>
-          <p:cNvSpPr>
-            <a:spLocks/>
-          </p:cNvSpPr>
-          <p:nvPr>
-            <p:custDataLst>
-              <p:tags r:id="rId5"/>
-            </p:custDataLst>
-          </p:nvPr>
-        </p:nvSpPr>
-        <p:spPr>
-          <a:xfrm>
-            <a:off x="9224010" y="259080"/>
-            <a:ext cx="1691640" cy="777240"/>
-          </a:xfrm>
-          <a:prstGeom prst="rect">
-            <a:avLst/>
-          </a:prstGeom>
-          <a:noFill/>
-          <a:ln w="9525" cap="flat" cmpd="sng" algn="ctr">
-            <a:noFill/>
-            <a:prstDash val="solid"/>
-          </a:ln>
-          <a:effectLst/>
-          <a:extLst>
-            <a:ext uri="{91240B29-F687-4F45-9708-019B960494DF}">
-              <a14:hiddenLine xmlns:a14="http://schemas.microsoft.com/office/drawing/2010/main" w="9525" cap="flat" cmpd="sng" algn="ctr">
-                <a:solidFill>
-                  <a:srgbClr val="3F136C"/>
-                </a:solidFill>
-                <a:prstDash val="solid"/>
-              </a14:hiddenLine>
-            </a:ext>
-            <a:ext uri="{AF507438-7753-43E0-B8FC-AC1667EBCBE1}">
-              <a14:hiddenEffects xmlns:a14="http://schemas.microsoft.com/office/drawing/2010/main">
-                <a:effectLst>
-                  <a:outerShdw blurRad="63500" rotWithShape="0">
-                    <a:scrgbClr r="0" g="0" b="0"/>
-                  </a:outerShdw>
-                </a:effectLst>
-              </a14:hiddenEffects>
-            </a:ext>
-            <a:ext uri="{53640926-AAD7-44D8-BBD7-CCE9431645EC}">
-              <a14:shadowObscured xmlns:a14="http://schemas.microsoft.com/office/drawing/2010/main"/>
-            </a:ext>
-          </a:extLst>
-        </p:spPr>
-        <p:txBody>
-          <a:bodyPr lIns="0" tIns="17780" rIns="0" bIns="0" rtlCol="0" anchor="t">
-            <a:normAutofit/>
-          </a:bodyPr>
-          <a:lstStyle/>
-          <a:p>
-            <a:pPr marL="0" marR="0" indent="0" defTabSz="914400" eaLnBrk="1" fontAlgn="auto" latinLnBrk="0" hangingPunct="1">
-              <a:lnSpc>
-                <a:spcPts val="900"/>
-              </a:lnSpc>
-              <a:buClrTx/>
-              <a:buSzTx/>
-              <a:buFontTx/>
-              <a:buNone/>
-              <a:tabLst/>
-            </a:pPr>
-            <a:endParaRPr kumimoji="0" lang="en-GB" sz="550" b="0" i="0" u="none" strike="noStrike" kern="0" cap="none" normalizeH="0" baseline="0" noProof="0" dirty="0" smtClean="0">
-              <a:ln>
-                <a:noFill/>
-              </a:ln>
-              <a:effectLst/>
-              <a:uLnTx/>
-              <a:uFillTx/>
-              <a:latin typeface="Bosch Office Sans"/>
-              <a:ea typeface="+mn-ea"/>
-              <a:cs typeface="+mn-cs"/>
-            </a:endParaRPr>
-          </a:p>
-        </p:txBody>
-      </p:sp>
-      <p:sp>
-        <p:nvSpPr>
-          <p:cNvPr id="2" name="TextBox 1" hidden="1"/>
-          <p:cNvSpPr txBox="1"/>
-          <p:nvPr>
-            <p:custDataLst>
-              <p:tags r:id="rId6"/>
-            </p:custDataLst>
-          </p:nvPr>
-        </p:nvSpPr>
-        <p:spPr>
-          <a:xfrm>
-            <a:off x="0" y="5975350"/>
-            <a:ext cx="0" cy="0"/>
-          </a:xfrm>
-          <a:prstGeom prst="rect">
-            <a:avLst/>
-          </a:prstGeom>
-          <a:noFill/>
-          <a:effectLst/>
-          <a:extLst>
-            <a:ext uri="{AF507438-7753-43E0-B8FC-AC1667EBCBE1}">
-              <a14:hiddenEffects xmlns:a14="http://schemas.microsoft.com/office/drawing/2010/main">
-                <a:effectLst>
-                  <a:outerShdw blurRad="63500" rotWithShape="0">
-                    <a:scrgbClr r="0" g="0" b="0"/>
-                  </a:outerShdw>
-                </a:effectLst>
-              </a14:hiddenEffects>
-            </a:ext>
-            <a:ext uri="{53640926-AAD7-44D8-BBD7-CCE9431645EC}">
-              <a14:shadowObscured xmlns:a14="http://schemas.microsoft.com/office/drawing/2010/main"/>
-            </a:ext>
-          </a:extLst>
-        </p:spPr>
-        <p:txBody>
-          <a:bodyPr vert="horz" wrap="none" lIns="0" tIns="0" rIns="0" bIns="0" rtlCol="0" anchor="t">
-            <a:noAutofit/>
-          </a:bodyPr>
-          <a:lstStyle/>
-          <a:p>
-            <a:pPr marR="0" defTabSz="914400" eaLnBrk="1" fontAlgn="auto" latinLnBrk="0" hangingPunct="1">
-              <a:lnSpc>
-                <a:spcPct val="107000"/>
-              </a:lnSpc>
-              <a:buClrTx/>
-              <a:buSzTx/>
-              <a:buFontTx/>
-              <a:buNone/>
-              <a:tabLst/>
-            </a:pPr>
-            <a:endParaRPr kumimoji="0" lang="en-GB" sz="1300" b="0" i="0" u="none" strike="noStrike" kern="0" cap="none" normalizeH="0" baseline="0" noProof="0" dirty="0" err="1" smtClean="0">
-              <a:ln>
-                <a:noFill/>
-              </a:ln>
-              <a:effectLst/>
-              <a:uLnTx/>
-              <a:uFillTx/>
-            </a:endParaRPr>
-          </a:p>
-        </p:txBody>
-      </p:sp>
-    </p:spTree>
-    <p:custDataLst>
-      <p:tags r:id="rId1"/>
-    </p:custDataLst>
-    <p:extLst>
-      <p:ext uri="{BB962C8B-B14F-4D97-AF65-F5344CB8AC3E}">
-        <p14:creationId xmlns:p14="http://schemas.microsoft.com/office/powerpoint/2010/main" val="2583836072"/>
-      </p:ext>
-    </p:extLst>
-  </p:cSld>
-  <p:clrMapOvr>
-    <a:masterClrMapping/>
-  </p:clrMapOvr>
-  <p:timing>
-    <p:tnLst>
-      <p:par>
-        <p:cTn id="1" dur="indefinite" restart="never" nodeType="tmRoot"/>
-      </p:par>
-    </p:tnLst>
-  </p:timing>
-</p:sld>
-</file>
-
 <file path=ppt/slides/slide2.xml><?xml version="1.0" encoding="utf-8"?>
 <p:sld xmlns:a="http://schemas.openxmlformats.org/drawingml/2006/main" xmlns:r="http://schemas.openxmlformats.org/officeDocument/2006/relationships" xmlns:p="http://schemas.openxmlformats.org/presentationml/2006/main">
   <p:cSld>
@@ -11866,10 +11357,6 @@
             <a:r>
               <a:rPr lang="en-IN" dirty="0" smtClean="0"/>
               <a:t>FINAL PRODUCT</a:t>
-            </a:r>
-            <a:r>
-              <a:rPr lang="en-IN" dirty="0" smtClean="0"/>
-              <a:t/>
             </a:r>
             <a:br>
               <a:rPr lang="en-IN" dirty="0" smtClean="0"/>
@@ -19990,131 +19477,6 @@
 <p:tagLst xmlns:a="http://schemas.openxmlformats.org/drawingml/2006/main" xmlns:r="http://schemas.openxmlformats.org/officeDocument/2006/relationships" xmlns:p="http://schemas.openxmlformats.org/presentationml/2006/main">
   <p:tag name="COLORSETCLASSNAME" val="ColorSet2"/>
   <p:tag name="COLORS" val="-2;-2;-2;-2;-1;-2"/>
-</p:tagLst>
-</file>
-
-<file path=ppt/tags/tag202.xml><?xml version="1.0" encoding="utf-8"?>
-<p:tagLst xmlns:a="http://schemas.openxmlformats.org/drawingml/2006/main" xmlns:r="http://schemas.openxmlformats.org/officeDocument/2006/relationships" xmlns:p="http://schemas.openxmlformats.org/presentationml/2006/main">
-  <p:tag name="ML_1" val="RBEI_Ban5"/>
-  <p:tag name="ML_2" val="Bosch2.mcr"/>
-  <p:tag name="ML_LAYOUT_RESOURCE" val="BOSCH2_16_9.mcr"/>
-  <p:tag name="FIELD.CHAPTER.CONTENT" val="Header of section"/>
-  <p:tag name="FIELD.CHAPTER.VALUE" val="Header of section"/>
-  <p:tag name="FIELD.DPT.CONTENT" val="RBEI/BSP1"/>
-  <p:tag name="FIELD.DPT.VALUE" val="RBEI/BSP1 | "/>
-  <p:tag name="FIELDS.INITIALIZED" val="1"/>
-  <p:tag name="SHAPESETGROUPCLASSNAME" val="ShapeSetGroup1"/>
-  <p:tag name="SHAPESETCLASSNAME" val="Blank"/>
-  <p:tag name="COLORSETGROUPCLASSNAME" val="ColorSetGroup1"/>
-  <p:tag name="COLORSETCLASSNAME" val="ColorSet2"/>
-  <p:tag name="FONTSETGROUPCLASSNAME" val="FontSetGroup1"/>
-  <p:tag name="STYLESETGROUPCLASSNAME" val="StyleSetGroup1"/>
-  <p:tag name="MAPNAME" val="Map1"/>
-  <p:tag name="CFG.LAYOUT" val="BOSCH2"/>
-  <p:tag name="MLI" val="1"/>
-  <p:tag name="TEXTBOX 1_SHAPECLASSPROTECTIONTYPE" val="31"/>
-  <p:tag name="RECTANGLE 2_SHAPECLASSPROTECTIONTYPE" val="3"/>
-  <p:tag name="RECTANGLE 3_SHAPECLASSPROTECTIONTYPE" val="63"/>
-  <p:tag name="RECTANGLE 4_SHAPECLASSPROTECTIONTYPE" val="63"/>
-  <p:tag name="RECTANGLE 5_SHAPECLASSPROTECTIONTYPE" val="63"/>
-</p:tagLst>
-</file>
-
-<file path=ppt/tags/tag203.xml><?xml version="1.0" encoding="utf-8"?>
-<p:tagLst xmlns:a="http://schemas.openxmlformats.org/drawingml/2006/main" xmlns:r="http://schemas.openxmlformats.org/officeDocument/2006/relationships" xmlns:p="http://schemas.openxmlformats.org/presentationml/2006/main">
-  <p:tag name="FONT" val="Bold6"/>
-  <p:tag name="FONT2" val="Reg6"/>
-  <p:tag name="FONT3" val="Reg6"/>
-  <p:tag name="FONTSETCLASSNAME" val="FontSet1"/>
-  <p:tag name="FONTCOLOR" val="Red"/>
-  <p:tag name="FONTCOLOR2" val="Black"/>
-  <p:tag name="FONTCOLOR3" val="Black"/>
-  <p:tag name="FONTCOLOR4" val="Black"/>
-  <p:tag name="RUNS.FONT" val="4"/>
-  <p:tag name="COLORS" val="-2;-2;-2;-2;Red;-2"/>
-  <p:tag name="COLORSETCLASSNAME" val="ColorSet1"/>
-  <p:tag name="SCRIPT" val="1"/>
-  <p:tag name="FIELDS" val="CONF;DPT;DATE;"/>
-  <p:tag name="MLI" val="1"/>
-  <p:tag name="SHAPESETGROUPCLASSNAME" val="ShapeSetGroup1"/>
-  <p:tag name="SHAPESETCLASSNAME" val="Blank"/>
-  <p:tag name="COLORSETGROUPCLASSNAME" val="ColorSetGroup1"/>
-  <p:tag name="FONTSETGROUPCLASSNAME" val="FontSetGroup1"/>
-  <p:tag name="SHAPECLASSNAME" val="FooterLine1OnSlides"/>
-  <p:tag name="SHAPECLASSPROTECTIONTYPE" val="63"/>
-</p:tagLst>
-</file>
-
-<file path=ppt/tags/tag204.xml><?xml version="1.0" encoding="utf-8"?>
-<p:tagLst xmlns:a="http://schemas.openxmlformats.org/drawingml/2006/main" xmlns:r="http://schemas.openxmlformats.org/officeDocument/2006/relationships" xmlns:p="http://schemas.openxmlformats.org/presentationml/2006/main">
-  <p:tag name="FONT" val="Reg6"/>
-  <p:tag name="FONTSETCLASSNAME" val="FontSet1"/>
-  <p:tag name="FONTCOLOR" val="Black"/>
-  <p:tag name="FONTCOLOR2" val="LightGray"/>
-  <p:tag name="FONTCOLOR3" val="LightGray"/>
-  <p:tag name="RUNS.FONT" val="3"/>
-  <p:tag name="COLORS" val="-2;-2;-2;-2;Black;-2"/>
-  <p:tag name="COLORSETCLASSNAME" val="ColorSet1"/>
-  <p:tag name="SCRIPT" val="1"/>
-  <p:tag name="FIELDS" val="REM_ABL;COPY;"/>
-  <p:tag name="MLI" val="1"/>
-  <p:tag name="SHAPESETGROUPCLASSNAME" val="ShapeSetGroup1"/>
-  <p:tag name="SHAPESETCLASSNAME" val="Blank"/>
-  <p:tag name="COLORSETGROUPCLASSNAME" val="ColorSetGroup1"/>
-  <p:tag name="FONTSETGROUPCLASSNAME" val="FontSetGroup1"/>
-  <p:tag name="SHAPECLASSNAME" val="FooterLine2OnSlides"/>
-  <p:tag name="SHAPECLASSPROTECTIONTYPE" val="63"/>
-</p:tagLst>
-</file>
-
-<file path=ppt/tags/tag205.xml><?xml version="1.0" encoding="utf-8"?>
-<p:tagLst xmlns:a="http://schemas.openxmlformats.org/drawingml/2006/main" xmlns:r="http://schemas.openxmlformats.org/officeDocument/2006/relationships" xmlns:p="http://schemas.openxmlformats.org/presentationml/2006/main">
-  <p:tag name="FONT" val="Reg12"/>
-  <p:tag name="FONTSETCLASSNAME" val="FontSet1"/>
-  <p:tag name="COLORS" val="-2;-2;-2;-2;DarkGray2;-2"/>
-  <p:tag name="COLORSETCLASSNAME" val="ColorSet1"/>
-  <p:tag name="SCRIPT" val="1"/>
-  <p:tag name="MLI" val="1"/>
-  <p:tag name="SHAPESETGROUPCLASSNAME" val="ShapeSetGroup1"/>
-  <p:tag name="SHAPESETCLASSNAME" val="Blank"/>
-  <p:tag name="COLORSETGROUPCLASSNAME" val="ColorSetGroup1"/>
-  <p:tag name="FONTSETGROUPCLASSNAME" val="FontSetGroup1"/>
-  <p:tag name="SHAPECLASSNAME" val="PageNumberOnSlides"/>
-  <p:tag name="SHAPECLASSPROTECTIONTYPE" val="63"/>
-</p:tagLst>
-</file>
-
-<file path=ppt/tags/tag206.xml><?xml version="1.0" encoding="utf-8"?>
-<p:tagLst xmlns:a="http://schemas.openxmlformats.org/drawingml/2006/main" xmlns:r="http://schemas.openxmlformats.org/officeDocument/2006/relationships" xmlns:p="http://schemas.openxmlformats.org/presentationml/2006/main">
-  <p:tag name="FONT" val="Reg5x5"/>
-  <p:tag name="FONTSETCLASSNAME" val="FontSet1"/>
-  <p:tag name="COLORS" val="-2;-2;-2;-2;-2;-2"/>
-  <p:tag name="COLORSETCLASSNAME" val="ColorSet1"/>
-  <p:tag name="SCRIPT" val="1"/>
-  <p:tag name="FIELDS" val="REM_ANL;"/>
-  <p:tag name="MLI" val="1"/>
-  <p:tag name="SHAPESETGROUPCLASSNAME" val="ShapeSetGroup1"/>
-  <p:tag name="SHAPESETCLASSNAME" val="Blank"/>
-  <p:tag name="COLORSETGROUPCLASSNAME" val="ColorSetGroup1"/>
-  <p:tag name="FONTSETGROUPCLASSNAME" val="FontSetGroup1"/>
-  <p:tag name="SHAPECLASSNAME" val="Attachment"/>
-  <p:tag name="SHAPECLASSPROTECTIONTYPE" val="3"/>
-</p:tagLst>
-</file>
-
-<file path=ppt/tags/tag207.xml><?xml version="1.0" encoding="utf-8"?>
-<p:tagLst xmlns:a="http://schemas.openxmlformats.org/drawingml/2006/main" xmlns:r="http://schemas.openxmlformats.org/officeDocument/2006/relationships" xmlns:p="http://schemas.openxmlformats.org/presentationml/2006/main">
-  <p:tag name="FONT" val="NavbarItem"/>
-  <p:tag name="FONTSETCLASSNAME" val="FontSet1"/>
-  <p:tag name="COLORS" val="-2;-2;-2;-2;-2;-2"/>
-  <p:tag name="COLORSETCLASSNAME" val="ColorSet1"/>
-  <p:tag name="MLI" val="1"/>
-  <p:tag name="SHAPESETGROUPCLASSNAME" val="ShapeSetGroup1"/>
-  <p:tag name="SHAPESETCLASSNAME" val="Blank"/>
-  <p:tag name="COLORSETGROUPCLASSNAME" val="ColorSetGroup1"/>
-  <p:tag name="FONTSETGROUPCLASSNAME" val="FontSetGroup1"/>
-  <p:tag name="SHAPECLASSNAME" val="tNavbar"/>
-  <p:tag name="SHAPECLASSPROTECTIONTYPE" val="31"/>
 </p:tagLst>
 </file>
 
